--- a/Documentation/Methodologie Projet/Methodologie.pptx
+++ b/Documentation/Methodologie Projet/Methodologie.pptx
@@ -205,7 +205,7 @@
           <a:p>
             <a:fld id="{3D230322-812C-4F64-AEC5-9B7FA8F01EC5}" type="datetimeFigureOut">
               <a:rPr lang="fr-FR" smtClean="0"/>
-              <a:t>23/11/2019</a:t>
+              <a:t>03/12/2019</a:t>
             </a:fld>
             <a:endParaRPr lang="fr-FR"/>
           </a:p>
@@ -3729,7 +3729,7 @@
                 </a:solidFill>
                 <a:latin typeface="Abadi Extra Light"/>
               </a:rPr>
-              <a:t>11/23/2019</a:t>
+              <a:t>12/3/2019</a:t>
             </a:fld>
             <a:endParaRPr lang="en-US" sz="1400" b="0" strike="noStrike" spc="-1">
               <a:latin typeface="Times New Roman"/>
@@ -4585,7 +4585,7 @@
                 </a:solidFill>
                 <a:latin typeface="Abadi Extra Light"/>
               </a:rPr>
-              <a:t>11/23/2019</a:t>
+              <a:t>12/3/2019</a:t>
             </a:fld>
             <a:endParaRPr lang="en-US" sz="1600" b="0" strike="noStrike" spc="-1">
               <a:latin typeface="Times New Roman"/>
@@ -6598,7 +6598,7 @@
                 </a:solidFill>
                 <a:latin typeface="Abadi Extra Light"/>
               </a:rPr>
-              <a:t> sur du </a:t>
+              <a:t> du </a:t>
             </a:r>
             <a:r>
               <a:rPr lang="en-US" sz="2400" b="0" strike="noStrike" spc="-1" dirty="0" err="1">
@@ -7035,7 +7035,7 @@
         <p:spPr>
           <a:xfrm>
             <a:off x="597600" y="2869920"/>
-            <a:ext cx="6209280" cy="2152246"/>
+            <a:ext cx="6209280" cy="2621520"/>
           </a:xfrm>
           <a:prstGeom prst="rect">
             <a:avLst/>
@@ -7236,19 +7236,52 @@
                 </a:solidFill>
                 <a:latin typeface="Abadi Extra Light"/>
               </a:rPr>
+              <a:t> Carbon</a:t>
+            </a:r>
+          </a:p>
+          <a:p>
+            <a:pPr marL="285840" indent="-285480">
+              <a:lnSpc>
+                <a:spcPct val="100000"/>
+              </a:lnSpc>
+              <a:buClr>
+                <a:srgbClr val="000000"/>
+              </a:buClr>
+              <a:buFont typeface="Arial"/>
+              <a:buChar char="•"/>
+            </a:pPr>
+            <a:r>
+              <a:rPr lang="en-US" sz="2000" strike="noStrike" spc="-1" dirty="0" err="1">
+                <a:latin typeface="Abadi Extra Light" panose="020B0204020104020204" pitchFamily="34" charset="0"/>
+              </a:rPr>
+              <a:t>Robustesse</a:t>
+            </a:r>
+            <a:r>
+              <a:rPr lang="en-US" sz="2000" strike="noStrike" spc="-1" dirty="0">
+                <a:latin typeface="Abadi Extra Light" panose="020B0204020104020204" pitchFamily="34" charset="0"/>
+              </a:rPr>
+              <a:t> des </a:t>
+            </a:r>
+            <a:r>
+              <a:rPr lang="en-US" sz="2000" strike="noStrike" spc="-1" dirty="0" err="1">
+                <a:latin typeface="Abadi Extra Light" panose="020B0204020104020204" pitchFamily="34" charset="0"/>
+              </a:rPr>
+              <a:t>matériaux</a:t>
+            </a:r>
+            <a:r>
+              <a:rPr lang="en-US" sz="2000" strike="noStrike" spc="-1" dirty="0">
+                <a:latin typeface="Abadi Extra Light" panose="020B0204020104020204" pitchFamily="34" charset="0"/>
+              </a:rPr>
               <a:t> </a:t>
             </a:r>
             <a:r>
-              <a:rPr lang="en-US" sz="2000" b="0" strike="noStrike" spc="-1" dirty="0" err="1">
-                <a:solidFill>
-                  <a:srgbClr val="000000"/>
-                </a:solidFill>
-                <a:latin typeface="Abadi Extra Light"/>
-              </a:rPr>
-              <a:t>Carbonne</a:t>
-            </a:r>
-            <a:endParaRPr lang="en-US" sz="2000" b="0" strike="noStrike" spc="-1" dirty="0">
-              <a:latin typeface="Arial"/>
+              <a:rPr lang="en-US" sz="2000" strike="noStrike" spc="-1" dirty="0" err="1">
+                <a:latin typeface="Abadi Extra Light" panose="020B0204020104020204" pitchFamily="34" charset="0"/>
+              </a:rPr>
+              <a:t>utilisés</a:t>
+            </a:r>
+            <a:endParaRPr lang="en-US" sz="2000" strike="noStrike" spc="-1" dirty="0">
+              <a:latin typeface="Abadi Extra Light" panose="020B0204020104020204" pitchFamily="34" charset="0"/>
             </a:endParaRPr>
           </a:p>
           <a:p>
@@ -7774,7 +7807,7 @@
               <a:r>
                 <a:rPr lang="en-US" sz="1200" b="1" strike="noStrike" spc="-1" dirty="0">
                   <a:solidFill>
-                    <a:srgbClr val="000000"/>
+                    <a:srgbClr val="FF0000"/>
                   </a:solidFill>
                   <a:latin typeface="Calibri"/>
                 </a:rPr>
@@ -7783,7 +7816,7 @@
               <a:r>
                 <a:rPr lang="en-US" sz="1200" b="0" i="1" strike="noStrike" spc="-1" dirty="0">
                   <a:solidFill>
-                    <a:srgbClr val="000000"/>
+                    <a:srgbClr val="FF0000"/>
                   </a:solidFill>
                   <a:latin typeface="Calibri"/>
                 </a:rPr>
@@ -7792,13 +7825,16 @@
               <a:r>
                 <a:rPr lang="en-US" sz="1200" b="0" i="1" strike="noStrike" spc="-1" dirty="0" err="1">
                   <a:solidFill>
-                    <a:srgbClr val="000000"/>
+                    <a:srgbClr val="FF0000"/>
                   </a:solidFill>
                   <a:latin typeface="Calibri"/>
                 </a:rPr>
                 <a:t>Landa</a:t>
               </a:r>
               <a:endParaRPr lang="en-US" sz="1200" b="0" strike="noStrike" spc="-1" dirty="0">
+                <a:solidFill>
+                  <a:srgbClr val="FF0000"/>
+                </a:solidFill>
                 <a:latin typeface="Arial"/>
               </a:endParaRPr>
             </a:p>
@@ -7973,8 +8009,8 @@
           </p:nvSpPr>
           <p:spPr>
             <a:xfrm>
-              <a:off x="5049000" y="2016360"/>
-              <a:ext cx="1740960" cy="1240200"/>
+              <a:off x="4925880" y="2023335"/>
+              <a:ext cx="2085479" cy="1240200"/>
             </a:xfrm>
             <a:prstGeom prst="rect">
               <a:avLst/>
@@ -8051,7 +8087,7 @@
               <a:r>
                 <a:rPr lang="en-US" sz="1200" b="0" i="1" strike="noStrike" spc="-1" dirty="0">
                   <a:solidFill>
-                    <a:srgbClr val="000000"/>
+                    <a:srgbClr val="FF0000"/>
                   </a:solidFill>
                   <a:latin typeface="Calibri"/>
                 </a:rPr>
@@ -8060,7 +8096,7 @@
               <a:r>
                 <a:rPr lang="en-US" sz="1200" b="0" i="1" strike="noStrike" spc="-1" dirty="0" err="1">
                   <a:solidFill>
-                    <a:srgbClr val="000000"/>
+                    <a:srgbClr val="FF0000"/>
                   </a:solidFill>
                   <a:latin typeface="Calibri"/>
                 </a:rPr>
@@ -8069,15 +8105,12 @@
               <a:r>
                 <a:rPr lang="en-US" sz="1200" b="0" i="1" strike="noStrike" spc="-1" dirty="0">
                   <a:solidFill>
-                    <a:srgbClr val="000000"/>
+                    <a:srgbClr val="FF0000"/>
                   </a:solidFill>
                   <a:latin typeface="Calibri"/>
                 </a:rPr>
-                <a:t> ?</a:t>
+                <a:t> </a:t>
               </a:r>
-              <a:endParaRPr lang="en-US" sz="1200" b="0" strike="noStrike" spc="-1" dirty="0">
-                <a:latin typeface="Arial"/>
-              </a:endParaRPr>
             </a:p>
             <a:p>
               <a:pPr algn="ctr">
@@ -8321,7 +8354,38 @@
                 </a:rPr>
                 <a:t>Scrum master</a:t>
               </a:r>
-              <a:endParaRPr lang="en-US" sz="1200" b="0" strike="noStrike" spc="-1" dirty="0">
+            </a:p>
+            <a:p>
+              <a:pPr algn="ctr">
+                <a:lnSpc>
+                  <a:spcPct val="100000"/>
+                </a:lnSpc>
+                <a:spcAft>
+                  <a:spcPts val="386"/>
+                </a:spcAft>
+              </a:pPr>
+              <a:r>
+                <a:rPr lang="en-US" sz="1200" i="1" spc="-1" dirty="0">
+                  <a:solidFill>
+                    <a:srgbClr val="FF0000"/>
+                  </a:solidFill>
+                  <a:latin typeface="Calibri"/>
+                </a:rPr>
+                <a:t>Mathieu </a:t>
+              </a:r>
+              <a:r>
+                <a:rPr lang="en-US" sz="1200" i="1" spc="-1" dirty="0" err="1">
+                  <a:solidFill>
+                    <a:srgbClr val="FF0000"/>
+                  </a:solidFill>
+                  <a:latin typeface="Calibri"/>
+                </a:rPr>
+                <a:t>Ridet</a:t>
+              </a:r>
+              <a:endParaRPr lang="en-US" sz="1200" i="1" strike="noStrike" spc="-1" dirty="0">
+                <a:solidFill>
+                  <a:srgbClr val="FF0000"/>
+                </a:solidFill>
                 <a:latin typeface="Arial"/>
               </a:endParaRPr>
             </a:p>
@@ -8687,7 +8751,38 @@
                 </a:rPr>
                 <a:t>Eco master</a:t>
               </a:r>
-              <a:endParaRPr lang="en-US" sz="1200" b="0" strike="noStrike" spc="-1" dirty="0">
+            </a:p>
+            <a:p>
+              <a:pPr algn="ctr">
+                <a:lnSpc>
+                  <a:spcPct val="100000"/>
+                </a:lnSpc>
+                <a:spcAft>
+                  <a:spcPts val="386"/>
+                </a:spcAft>
+              </a:pPr>
+              <a:r>
+                <a:rPr lang="en-US" sz="1200" i="1" spc="-1" dirty="0">
+                  <a:solidFill>
+                    <a:srgbClr val="FF0000"/>
+                  </a:solidFill>
+                  <a:latin typeface="Calibri"/>
+                </a:rPr>
+                <a:t>Julien </a:t>
+              </a:r>
+              <a:r>
+                <a:rPr lang="en-US" sz="1200" i="1" spc="-1" dirty="0" err="1">
+                  <a:solidFill>
+                    <a:srgbClr val="FF0000"/>
+                  </a:solidFill>
+                  <a:latin typeface="Calibri"/>
+                </a:rPr>
+                <a:t>Doujet</a:t>
+              </a:r>
+              <a:endParaRPr lang="en-US" sz="1200" i="1" strike="noStrike" spc="-1" dirty="0">
+                <a:solidFill>
+                  <a:srgbClr val="FF0000"/>
+                </a:solidFill>
                 <a:latin typeface="Arial"/>
               </a:endParaRPr>
             </a:p>
@@ -9098,7 +9193,35 @@
                 </a:rPr>
                 <a:t>d’œuvre</a:t>
               </a:r>
-              <a:endParaRPr lang="en-US" sz="1200" b="0" strike="noStrike" spc="-1" dirty="0">
+              <a:endParaRPr lang="en-US" sz="1200" b="1" strike="noStrike" spc="-1" dirty="0">
+                <a:solidFill>
+                  <a:srgbClr val="000000"/>
+                </a:solidFill>
+                <a:latin typeface="Calibri"/>
+              </a:endParaRPr>
+            </a:p>
+            <a:p>
+              <a:pPr algn="ctr">
+                <a:lnSpc>
+                  <a:spcPct val="100000"/>
+                </a:lnSpc>
+                <a:spcAft>
+                  <a:spcPts val="386"/>
+                </a:spcAft>
+              </a:pPr>
+              <a:r>
+                <a:rPr lang="en-US" sz="1200" i="1" strike="noStrike" spc="-1" dirty="0">
+                  <a:solidFill>
+                    <a:srgbClr val="FF0000"/>
+                  </a:solidFill>
+                  <a:latin typeface="Calibri"/>
+                </a:rPr>
+                <a:t>David Ekchajzer</a:t>
+              </a:r>
+              <a:endParaRPr lang="en-US" sz="1200" i="1" strike="noStrike" spc="-1" dirty="0">
+                <a:solidFill>
+                  <a:srgbClr val="FF0000"/>
+                </a:solidFill>
                 <a:latin typeface="Arial"/>
               </a:endParaRPr>
             </a:p>
@@ -9401,7 +9524,38 @@
                 </a:rPr>
                 <a:t> Officer</a:t>
               </a:r>
-              <a:endParaRPr lang="en-US" sz="1200" b="0" strike="noStrike" spc="-1" dirty="0">
+            </a:p>
+            <a:p>
+              <a:pPr algn="ctr">
+                <a:lnSpc>
+                  <a:spcPct val="100000"/>
+                </a:lnSpc>
+                <a:spcAft>
+                  <a:spcPts val="386"/>
+                </a:spcAft>
+              </a:pPr>
+              <a:r>
+                <a:rPr lang="en-US" sz="1200" i="1" strike="noStrike" spc="-1" dirty="0">
+                  <a:solidFill>
+                    <a:srgbClr val="FF0000"/>
+                  </a:solidFill>
+                  <a:latin typeface="Calibri"/>
+                </a:rPr>
+                <a:t>Abdel </a:t>
+              </a:r>
+              <a:r>
+                <a:rPr lang="en-US" sz="1200" i="1" strike="noStrike" spc="-1" dirty="0" err="1">
+                  <a:solidFill>
+                    <a:srgbClr val="FF0000"/>
+                  </a:solidFill>
+                  <a:latin typeface="Calibri"/>
+                </a:rPr>
+                <a:t>Benamara</a:t>
+              </a:r>
+              <a:endParaRPr lang="en-US" sz="1200" i="1" strike="noStrike" spc="-1" dirty="0">
+                <a:solidFill>
+                  <a:srgbClr val="FF0000"/>
+                </a:solidFill>
                 <a:latin typeface="Arial"/>
               </a:endParaRPr>
             </a:p>
